--- a/20H1120161 - Nguyen Tran Dinh Quan.pptx
+++ b/20H1120161 - Nguyen Tran Dinh Quan.pptx
@@ -36,19 +36,19 @@
   <p:notesSz cx="6858000" cy="9144000"/>
   <p:embeddedFontLst>
     <p:embeddedFont>
-      <p:font typeface="Bebas Neue" panose="020B0604020202020204" charset="0"/>
+      <p:font typeface="Days One" panose="020B0604020202020204" charset="0"/>
       <p:regular r:id="rId26"/>
     </p:embeddedFont>
     <p:embeddedFont>
-      <p:font typeface="Cabin" panose="020B0604020202020204" charset="0"/>
+      <p:font typeface="Bebas Neue" panose="020B0604020202020204" charset="0"/>
       <p:regular r:id="rId27"/>
-      <p:bold r:id="rId28"/>
-      <p:italic r:id="rId29"/>
-      <p:boldItalic r:id="rId30"/>
     </p:embeddedFont>
     <p:embeddedFont>
-      <p:font typeface="Days One" panose="020B0604020202020204" charset="0"/>
-      <p:regular r:id="rId31"/>
+      <p:font typeface="Cabin" panose="020B0604020202020204" charset="0"/>
+      <p:regular r:id="rId28"/>
+      <p:bold r:id="rId29"/>
+      <p:italic r:id="rId30"/>
+      <p:boldItalic r:id="rId31"/>
     </p:embeddedFont>
   </p:embeddedFontLst>
   <p:defaultTextStyle>
@@ -8147,7 +8147,7 @@
                 <a:hlinkClick r:id="rId2">
                   <a:extLst>
                     <a:ext uri="{A12FA001-AC4F-418D-AE19-62706E023703}">
-                      <ahyp:hlinkClr xmlns="" xmlns:mc="http://schemas.openxmlformats.org/markup-compatibility/2006" xmlns:mv="urn:schemas-microsoft-com:mac:vml" xmlns:c="http://schemas.openxmlformats.org/drawingml/2006/chart" xmlns:dgm="http://schemas.openxmlformats.org/drawingml/2006/diagram" xmlns:o="urn:schemas-microsoft-com:office:office" xmlns:v="urn:schemas-microsoft-com:vml" xmlns:pvml="urn:schemas-microsoft-com:office:powerpoint" xmlns:com="http://schemas.openxmlformats.org/drawingml/2006/compatibility" xmlns:p14="http://schemas.microsoft.com/office/powerpoint/2010/main" xmlns:p15="http://schemas.microsoft.com/office/powerpoint/2012/main" xmlns:ahyp="http://schemas.microsoft.com/office/drawing/2018/hyperlinkcolor" val="tx"/>
+                      <ahyp:hlinkClr xmlns:ahyp="http://schemas.microsoft.com/office/drawing/2018/hyperlinkcolor" xmlns:p15="http://schemas.microsoft.com/office/powerpoint/2012/main" xmlns:p14="http://schemas.microsoft.com/office/powerpoint/2010/main" xmlns:com="http://schemas.openxmlformats.org/drawingml/2006/compatibility" xmlns:pvml="urn:schemas-microsoft-com:office:powerpoint" xmlns:v="urn:schemas-microsoft-com:vml" xmlns:o="urn:schemas-microsoft-com:office:office" xmlns:dgm="http://schemas.openxmlformats.org/drawingml/2006/diagram" xmlns:c="http://schemas.openxmlformats.org/drawingml/2006/chart" xmlns:mv="urn:schemas-microsoft-com:mac:vml" xmlns:mc="http://schemas.openxmlformats.org/markup-compatibility/2006" xmlns="" val="tx"/>
                     </a:ext>
                   </a:extLst>
                 </a:hlinkClick>
@@ -8181,7 +8181,7 @@
                 <a:hlinkClick r:id="rId3">
                   <a:extLst>
                     <a:ext uri="{A12FA001-AC4F-418D-AE19-62706E023703}">
-                      <ahyp:hlinkClr xmlns="" xmlns:mc="http://schemas.openxmlformats.org/markup-compatibility/2006" xmlns:mv="urn:schemas-microsoft-com:mac:vml" xmlns:c="http://schemas.openxmlformats.org/drawingml/2006/chart" xmlns:dgm="http://schemas.openxmlformats.org/drawingml/2006/diagram" xmlns:o="urn:schemas-microsoft-com:office:office" xmlns:v="urn:schemas-microsoft-com:vml" xmlns:pvml="urn:schemas-microsoft-com:office:powerpoint" xmlns:com="http://schemas.openxmlformats.org/drawingml/2006/compatibility" xmlns:p14="http://schemas.microsoft.com/office/powerpoint/2010/main" xmlns:p15="http://schemas.microsoft.com/office/powerpoint/2012/main" xmlns:ahyp="http://schemas.microsoft.com/office/drawing/2018/hyperlinkcolor" val="tx"/>
+                      <ahyp:hlinkClr xmlns:ahyp="http://schemas.microsoft.com/office/drawing/2018/hyperlinkcolor" xmlns:p15="http://schemas.microsoft.com/office/powerpoint/2012/main" xmlns:p14="http://schemas.microsoft.com/office/powerpoint/2010/main" xmlns:com="http://schemas.openxmlformats.org/drawingml/2006/compatibility" xmlns:pvml="urn:schemas-microsoft-com:office:powerpoint" xmlns:v="urn:schemas-microsoft-com:vml" xmlns:o="urn:schemas-microsoft-com:office:office" xmlns:dgm="http://schemas.openxmlformats.org/drawingml/2006/diagram" xmlns:c="http://schemas.openxmlformats.org/drawingml/2006/chart" xmlns:mv="urn:schemas-microsoft-com:mac:vml" xmlns:mc="http://schemas.openxmlformats.org/markup-compatibility/2006" xmlns="" val="tx"/>
                     </a:ext>
                   </a:extLst>
                 </a:hlinkClick>
@@ -8227,7 +8227,7 @@
                 <a:hlinkClick r:id="rId4">
                   <a:extLst>
                     <a:ext uri="{A12FA001-AC4F-418D-AE19-62706E023703}">
-                      <ahyp:hlinkClr xmlns="" xmlns:mc="http://schemas.openxmlformats.org/markup-compatibility/2006" xmlns:mv="urn:schemas-microsoft-com:mac:vml" xmlns:c="http://schemas.openxmlformats.org/drawingml/2006/chart" xmlns:dgm="http://schemas.openxmlformats.org/drawingml/2006/diagram" xmlns:o="urn:schemas-microsoft-com:office:office" xmlns:v="urn:schemas-microsoft-com:vml" xmlns:pvml="urn:schemas-microsoft-com:office:powerpoint" xmlns:com="http://schemas.openxmlformats.org/drawingml/2006/compatibility" xmlns:p14="http://schemas.microsoft.com/office/powerpoint/2010/main" xmlns:p15="http://schemas.microsoft.com/office/powerpoint/2012/main" xmlns:ahyp="http://schemas.microsoft.com/office/drawing/2018/hyperlinkcolor" val="tx"/>
+                      <ahyp:hlinkClr xmlns:ahyp="http://schemas.microsoft.com/office/drawing/2018/hyperlinkcolor" xmlns:p15="http://schemas.microsoft.com/office/powerpoint/2012/main" xmlns:p14="http://schemas.microsoft.com/office/powerpoint/2010/main" xmlns:com="http://schemas.openxmlformats.org/drawingml/2006/compatibility" xmlns:pvml="urn:schemas-microsoft-com:office:powerpoint" xmlns:v="urn:schemas-microsoft-com:vml" xmlns:o="urn:schemas-microsoft-com:office:office" xmlns:dgm="http://schemas.openxmlformats.org/drawingml/2006/diagram" xmlns:c="http://schemas.openxmlformats.org/drawingml/2006/chart" xmlns:mv="urn:schemas-microsoft-com:mac:vml" xmlns:mc="http://schemas.openxmlformats.org/markup-compatibility/2006" xmlns="" val="tx"/>
                     </a:ext>
                   </a:extLst>
                 </a:hlinkClick>
@@ -26786,7 +26786,7 @@
         </p:nvSpPr>
         <p:spPr>
           <a:xfrm>
-            <a:off x="989459" y="1630958"/>
+            <a:off x="850292" y="1018879"/>
             <a:ext cx="7330001" cy="1352487"/>
           </a:xfrm>
           <a:prstGeom prst="rect">
@@ -26804,7 +26804,7 @@
               <a:rPr lang="en-US" sz="2800" b="1" dirty="0">
                 <a:latin typeface="Cabin" panose="020B0604020202020204" charset="0"/>
               </a:rPr>
-              <a:t>TÌM HIỂU VÀ SỬ DỤNG FRAMEWOK SPRING BOOT VÀ REACTJS ĐỂ XÂY DỰNG WEBSITE BLOG CHIA SẺ BÀI VIẾT </a:t>
+              <a:t>WEBSITE BLOG CHIA SẺ BÀI VIẾT </a:t>
             </a:r>
             <a:endParaRPr sz="2800" dirty="0">
               <a:solidFill>
@@ -26827,8 +26827,8 @@
         </p:nvSpPr>
         <p:spPr>
           <a:xfrm>
-            <a:off x="2335793" y="3529120"/>
-            <a:ext cx="4359000" cy="409500"/>
+            <a:off x="2559077" y="3051391"/>
+            <a:ext cx="4359000" cy="1869411"/>
           </a:xfrm>
           <a:prstGeom prst="rect">
             <a:avLst/>
@@ -26879,8 +26879,163 @@
             </a:r>
             <a:r>
               <a:rPr lang="en-US" dirty="0"/>
-              <a:t>: Nguyễn Trần Đình Quân</a:t>
-            </a:r>
+              <a:t>:</a:t>
+            </a:r>
+          </a:p>
+          <a:p>
+            <a:pPr marL="0" lvl="0" indent="0" algn="ctr" rtl="0">
+              <a:spcBef>
+                <a:spcPts val="0"/>
+              </a:spcBef>
+              <a:spcAft>
+                <a:spcPts val="0"/>
+              </a:spcAft>
+              <a:buNone/>
+            </a:pPr>
+            <a:endParaRPr lang="en-US" sz="900" dirty="0"/>
+          </a:p>
+          <a:p>
+            <a:pPr marL="0" lvl="0" indent="0" algn="l" rtl="0">
+              <a:spcBef>
+                <a:spcPts val="0"/>
+              </a:spcBef>
+              <a:spcAft>
+                <a:spcPts val="0"/>
+              </a:spcAft>
+              <a:buNone/>
+            </a:pPr>
+            <a:r>
+              <a:rPr lang="en-US" dirty="0"/>
+              <a:t>Nguyễn Trần Đình Quân              20h1120161</a:t>
+            </a:r>
+          </a:p>
+          <a:p>
+            <a:pPr marL="0" lvl="0" indent="0" algn="l"/>
+            <a:r>
+              <a:rPr lang="en-US" dirty="0"/>
+              <a:t>Nguyễn </a:t>
+            </a:r>
+            <a:r>
+              <a:rPr lang="en-US" dirty="0" err="1"/>
+              <a:t>Văn</a:t>
+            </a:r>
+            <a:r>
+              <a:rPr lang="en-US" dirty="0"/>
+              <a:t> </a:t>
+            </a:r>
+            <a:r>
+              <a:rPr lang="en-US" dirty="0" err="1"/>
+              <a:t>Hiếu</a:t>
+            </a:r>
+            <a:r>
+              <a:rPr lang="en-US" dirty="0"/>
+              <a:t>                           20h1120126</a:t>
+            </a:r>
+          </a:p>
+          <a:p>
+            <a:pPr marL="0" lvl="0" indent="0" algn="l" rtl="0">
+              <a:spcBef>
+                <a:spcPts val="0"/>
+              </a:spcBef>
+              <a:spcAft>
+                <a:spcPts val="0"/>
+              </a:spcAft>
+              <a:buNone/>
+            </a:pPr>
+            <a:r>
+              <a:rPr lang="en-US" dirty="0"/>
+              <a:t>Lê </a:t>
+            </a:r>
+            <a:r>
+              <a:rPr lang="en-US" dirty="0" err="1"/>
+              <a:t>Thành</a:t>
+            </a:r>
+            <a:r>
+              <a:rPr lang="en-US" dirty="0"/>
+              <a:t> </a:t>
+            </a:r>
+            <a:r>
+              <a:rPr lang="en-US" dirty="0" err="1"/>
+              <a:t>Đạt</a:t>
+            </a:r>
+            <a:r>
+              <a:rPr lang="en-US" dirty="0"/>
+              <a:t>                                   20h1120116</a:t>
+            </a:r>
+          </a:p>
+          <a:p>
+            <a:pPr marL="0" lvl="0" indent="0" algn="l" rtl="0">
+              <a:spcBef>
+                <a:spcPts val="0"/>
+              </a:spcBef>
+              <a:spcAft>
+                <a:spcPts val="0"/>
+              </a:spcAft>
+              <a:buNone/>
+            </a:pPr>
+            <a:r>
+              <a:rPr lang="en-US" dirty="0"/>
+              <a:t>Nguyễn </a:t>
+            </a:r>
+            <a:r>
+              <a:rPr lang="en-US" dirty="0" err="1"/>
+              <a:t>Văn</a:t>
+            </a:r>
+            <a:r>
+              <a:rPr lang="en-US" dirty="0"/>
+              <a:t> </a:t>
+            </a:r>
+            <a:r>
+              <a:rPr lang="en-US" dirty="0" err="1"/>
+              <a:t>Tuấn</a:t>
+            </a:r>
+            <a:r>
+              <a:rPr lang="en-US" dirty="0"/>
+              <a:t>                           20h1120167</a:t>
+            </a:r>
+          </a:p>
+          <a:p>
+            <a:pPr marL="0" lvl="0" indent="0" algn="l" rtl="0">
+              <a:spcBef>
+                <a:spcPts val="0"/>
+              </a:spcBef>
+              <a:spcAft>
+                <a:spcPts val="0"/>
+              </a:spcAft>
+              <a:buNone/>
+            </a:pPr>
+            <a:r>
+              <a:rPr lang="en-US" dirty="0"/>
+              <a:t>Nguyễn Quang </a:t>
+            </a:r>
+            <a:r>
+              <a:rPr lang="en-US" dirty="0" err="1"/>
+              <a:t>Tr</a:t>
+            </a:r>
+            <a:r>
+              <a:rPr lang="vi-VN" dirty="0"/>
+              <a:t>ư</a:t>
+            </a:r>
+            <a:r>
+              <a:rPr lang="en-US" dirty="0" err="1"/>
+              <a:t>ờng</a:t>
+            </a:r>
+            <a:r>
+              <a:rPr lang="en-US" dirty="0"/>
+              <a:t>                  20h1120182</a:t>
+            </a:r>
+          </a:p>
+          <a:p>
+            <a:pPr marL="0" lvl="0" indent="0" algn="ctr" rtl="0">
+              <a:spcBef>
+                <a:spcPts val="0"/>
+              </a:spcBef>
+              <a:spcAft>
+                <a:spcPts val="0"/>
+              </a:spcAft>
+              <a:buNone/>
+            </a:pPr>
+            <a:endParaRPr lang="en-US" dirty="0"/>
           </a:p>
           <a:p>
             <a:pPr marL="0" lvl="0" indent="0" algn="ctr" rtl="0">
@@ -26906,7 +27061,7 @@
         </p:nvCxnSpPr>
         <p:spPr>
           <a:xfrm>
-            <a:off x="1176670" y="1171725"/>
+            <a:off x="985284" y="1382309"/>
             <a:ext cx="6953693" cy="0"/>
           </a:xfrm>
           <a:prstGeom prst="straightConnector1">
@@ -26934,7 +27089,7 @@
         </p:nvCxnSpPr>
         <p:spPr>
           <a:xfrm>
-            <a:off x="1176670" y="3320775"/>
+            <a:off x="985284" y="2560252"/>
             <a:ext cx="6868632" cy="0"/>
           </a:xfrm>
           <a:prstGeom prst="straightConnector1">
@@ -29257,36 +29412,6 @@
         </p:blipFill>
         <p:spPr/>
       </p:pic>
-      <p:pic>
-        <p:nvPicPr>
-          <p:cNvPr id="25" name="Picture 24">
-            <a:extLst>
-              <a:ext uri="{FF2B5EF4-FFF2-40B4-BE49-F238E27FC236}">
-                <a16:creationId xmlns:a16="http://schemas.microsoft.com/office/drawing/2014/main" id="{66935978-8F78-4CAA-8B08-AC9032C3C332}"/>
-              </a:ext>
-            </a:extLst>
-          </p:cNvPr>
-          <p:cNvPicPr>
-            <a:picLocks noChangeAspect="1"/>
-          </p:cNvPicPr>
-          <p:nvPr/>
-        </p:nvPicPr>
-        <p:blipFill>
-          <a:blip r:embed="rId4"/>
-          <a:stretch>
-            <a:fillRect/>
-          </a:stretch>
-        </p:blipFill>
-        <p:spPr>
-          <a:xfrm>
-            <a:off x="8203344" y="4466037"/>
-            <a:ext cx="599416" cy="599416"/>
-          </a:xfrm>
-          <a:prstGeom prst="rect">
-            <a:avLst/>
-          </a:prstGeom>
-        </p:spPr>
-      </p:pic>
     </p:spTree>
   </p:cSld>
   <p:clrMapOvr>
@@ -29312,36 +29437,6 @@
           <a:chExt cx="0" cy="0"/>
         </a:xfrm>
       </p:grpSpPr>
-      <p:pic>
-        <p:nvPicPr>
-          <p:cNvPr id="3" name="Picture 2">
-            <a:extLst>
-              <a:ext uri="{FF2B5EF4-FFF2-40B4-BE49-F238E27FC236}">
-                <a16:creationId xmlns:a16="http://schemas.microsoft.com/office/drawing/2014/main" id="{F70632A9-3376-43B4-9111-B37ED481BF2B}"/>
-              </a:ext>
-            </a:extLst>
-          </p:cNvPr>
-          <p:cNvPicPr>
-            <a:picLocks noChangeAspect="1"/>
-          </p:cNvPicPr>
-          <p:nvPr/>
-        </p:nvPicPr>
-        <p:blipFill>
-          <a:blip r:embed="rId3"/>
-          <a:stretch>
-            <a:fillRect/>
-          </a:stretch>
-        </p:blipFill>
-        <p:spPr>
-          <a:xfrm>
-            <a:off x="354934" y="1898025"/>
-            <a:ext cx="1664439" cy="1664439"/>
-          </a:xfrm>
-          <a:prstGeom prst="rect">
-            <a:avLst/>
-          </a:prstGeom>
-        </p:spPr>
-      </p:pic>
       <p:sp>
         <p:nvSpPr>
           <p:cNvPr id="672" name="Google Shape;672;p25"/>
@@ -29419,12 +29514,8 @@
               <a:buNone/>
             </a:pPr>
             <a:r>
-              <a:rPr lang="en-US" dirty="0" err="1"/>
-              <a:t>Dinh</a:t>
-            </a:r>
-            <a:r>
               <a:rPr lang="en-US" dirty="0"/>
-              <a:t> Quan Blog</a:t>
+              <a:t>Doc Quyen Blog</a:t>
             </a:r>
             <a:endParaRPr dirty="0"/>
           </a:p>
